--- a/StudyEclipse/StudyEclipse.pptx
+++ b/StudyEclipse/StudyEclipse.pptx
@@ -9,7 +9,10 @@
     <p:sldId id="257" r:id="rId4"/>
     <p:sldId id="259" r:id="rId5"/>
     <p:sldId id="260" r:id="rId6"/>
-    <p:sldId id="261" r:id="rId7"/>
+    <p:sldId id="263" r:id="rId7"/>
+    <p:sldId id="261" r:id="rId8"/>
+    <p:sldId id="262" r:id="rId9"/>
+    <p:sldId id="270" r:id="rId10"/>
   </p:sldIdLst>
   <p:sldSz cx="12192000" cy="6858000"/>
   <p:notesSz cx="7103745" cy="10234295"/>
@@ -3423,6 +3426,236 @@
             <p:ph type="title"/>
           </p:nvPr>
         </p:nvSpPr>
+        <p:spPr>
+          <a:solidFill>
+            <a:srgbClr val="FFFF00"/>
+          </a:solidFill>
+        </p:spPr>
+        <p:txBody>
+          <a:bodyPr/>
+          <a:p>
+            <a:r>
+              <a:rPr lang="ja-JP" altLang="en-US"/>
+              <a:t>課題</a:t>
+            </a:r>
+            <a:endParaRPr lang="ja-JP" altLang="en-US"/>
+          </a:p>
+        </p:txBody>
+      </p:sp>
+      <p:sp>
+        <p:nvSpPr>
+          <p:cNvPr id="3" name="コンテンツプレースホルダ 2"/>
+          <p:cNvSpPr>
+            <a:spLocks noGrp="1"/>
+          </p:cNvSpPr>
+          <p:nvPr>
+            <p:ph idx="1"/>
+          </p:nvPr>
+        </p:nvSpPr>
+        <p:spPr/>
+        <p:txBody>
+          <a:bodyPr/>
+          <a:p>
+            <a:r>
+              <a:rPr lang="en-US" altLang="ja-JP"/>
+              <a:t>3/6 Eclipse</a:t>
+            </a:r>
+            <a:r>
+              <a:rPr lang="ja-JP" altLang="en-US"/>
+              <a:t>は</a:t>
+            </a:r>
+            <a:r>
+              <a:rPr lang="en-US" altLang="ja-JP"/>
+              <a:t>make</a:t>
+            </a:r>
+            <a:r>
+              <a:rPr lang="ja-JP" altLang="en-US"/>
+              <a:t>コマンドを必要としないのか</a:t>
+            </a:r>
+            <a:r>
+              <a:rPr lang="en-US" altLang="ja-JP"/>
+              <a:t>?</a:t>
+            </a:r>
+            <a:endParaRPr lang="en-US" altLang="ja-JP"/>
+          </a:p>
+          <a:p>
+            <a:pPr marL="0" indent="0">
+              <a:buNone/>
+            </a:pPr>
+            <a:r>
+              <a:rPr lang="en-US" altLang="ja-JP"/>
+              <a:t>   (</a:t>
+            </a:r>
+            <a:r>
+              <a:rPr lang="ja-JP" altLang="en-US"/>
+              <a:t>内部ビルダーで</a:t>
+            </a:r>
+            <a:r>
+              <a:rPr lang="en-US" altLang="ja-JP"/>
+              <a:t>OK?)</a:t>
+            </a:r>
+            <a:endParaRPr lang="en-US" altLang="ja-JP"/>
+          </a:p>
+          <a:p>
+            <a:pPr marL="0" indent="0">
+              <a:buNone/>
+            </a:pPr>
+            <a:endParaRPr lang="en-US" altLang="ja-JP"/>
+          </a:p>
+          <a:p>
+            <a:pPr marL="0" indent="0">
+              <a:buNone/>
+            </a:pPr>
+            <a:r>
+              <a:rPr lang="ja-JP" altLang="en-US"/>
+              <a:t>試しに</a:t>
+            </a:r>
+            <a:r>
+              <a:rPr lang="en-US" altLang="ja-JP"/>
+              <a:t>MinGW</a:t>
+            </a:r>
+            <a:r>
+              <a:rPr lang="ja-JP" altLang="en-US"/>
+              <a:t>をインストールして</a:t>
+            </a:r>
+            <a:r>
+              <a:rPr lang="en-US" altLang="ja-JP"/>
+              <a:t>MinGW gcc</a:t>
+            </a:r>
+            <a:r>
+              <a:rPr lang="ja-JP" altLang="en-US"/>
+              <a:t>でコンパイルして内部ビルダーでビルドして実行ファイルができるか確認してみる。</a:t>
+            </a:r>
+            <a:endParaRPr lang="ja-JP" altLang="en-US"/>
+          </a:p>
+          <a:p>
+            <a:pPr marL="0" indent="0">
+              <a:buNone/>
+            </a:pPr>
+            <a:endParaRPr lang="ja-JP" altLang="en-US"/>
+          </a:p>
+          <a:p>
+            <a:pPr marL="0" indent="0">
+              <a:buNone/>
+            </a:pPr>
+            <a:r>
+              <a:rPr lang="en-US" altLang="ja-JP"/>
+              <a:t>-&gt;</a:t>
+            </a:r>
+            <a:endParaRPr lang="ja-JP" altLang="en-US"/>
+          </a:p>
+          <a:p>
+            <a:pPr marL="0" indent="0">
+              <a:buNone/>
+            </a:pPr>
+            <a:r>
+              <a:rPr lang="en-US" altLang="ja-JP"/>
+              <a:t>MinGW</a:t>
+            </a:r>
+            <a:r>
+              <a:rPr lang="ja-JP" altLang="en-US"/>
+              <a:t>をインストールして内部ビルダーでビルドしたが、</a:t>
+            </a:r>
+            <a:r>
+              <a:rPr lang="en-US" altLang="ja-JP"/>
+              <a:t>makefile</a:t>
+            </a:r>
+            <a:r>
+              <a:rPr lang="ja-JP" altLang="en-US"/>
+              <a:t>は作成されなかった。</a:t>
+            </a:r>
+            <a:r>
+              <a:rPr lang="en-US" altLang="ja-JP"/>
+              <a:t>helloworld</a:t>
+            </a:r>
+            <a:r>
+              <a:rPr lang="ja-JP" altLang="en-US"/>
+              <a:t>は無事出力された。</a:t>
+            </a:r>
+            <a:endParaRPr lang="ja-JP" altLang="en-US"/>
+          </a:p>
+        </p:txBody>
+      </p:sp>
+      <p:sp>
+        <p:nvSpPr>
+          <p:cNvPr id="4" name="タイトル 1"/>
+          <p:cNvSpPr>
+            <a:spLocks noGrp="1"/>
+          </p:cNvSpPr>
+          <p:nvPr/>
+        </p:nvSpPr>
+        <p:spPr>
+          <a:xfrm>
+            <a:off x="838200" y="395605"/>
+            <a:ext cx="10515600" cy="1325563"/>
+          </a:xfrm>
+          <a:prstGeom prst="rect">
+            <a:avLst/>
+          </a:prstGeom>
+          <a:solidFill>
+            <a:srgbClr val="FFFF00"/>
+          </a:solidFill>
+        </p:spPr>
+        <p:txBody>
+          <a:bodyPr vert="horz" lIns="91440" tIns="45720" rIns="91440" bIns="45720" rtlCol="0" anchor="ctr">
+            <a:normAutofit/>
+          </a:bodyPr>
+          <a:lstStyle>
+            <a:lvl1pPr algn="l" defTabSz="914400" rtl="0" eaLnBrk="1" latinLnBrk="0" hangingPunct="1">
+              <a:lnSpc>
+                <a:spcPct val="90000"/>
+              </a:lnSpc>
+              <a:spcBef>
+                <a:spcPct val="0"/>
+              </a:spcBef>
+              <a:buNone/>
+              <a:defRPr kumimoji="1" sz="4400" kern="1200">
+                <a:solidFill>
+                  <a:schemeClr val="tx1"/>
+                </a:solidFill>
+                <a:latin typeface="+mj-lt"/>
+                <a:ea typeface="+mj-ea"/>
+                <a:cs typeface="+mj-cs"/>
+              </a:defRPr>
+            </a:lvl1pPr>
+          </a:lstStyle>
+          <a:p>
+            <a:r>
+              <a:rPr lang="ja-JP" altLang="en-US"/>
+              <a:t>課題</a:t>
+            </a:r>
+            <a:endParaRPr lang="ja-JP" altLang="en-US"/>
+          </a:p>
+        </p:txBody>
+      </p:sp>
+    </p:spTree>
+  </p:cSld>
+  <p:clrMapOvr>
+    <a:masterClrMapping/>
+  </p:clrMapOvr>
+</p:sld>
+</file>
+
+<file path=ppt/slides/slide6.xml><?xml version="1.0" encoding="utf-8"?>
+<p:sld xmlns:a="http://schemas.openxmlformats.org/drawingml/2006/main" xmlns:r="http://schemas.openxmlformats.org/officeDocument/2006/relationships" xmlns:p="http://schemas.openxmlformats.org/presentationml/2006/main">
+  <p:cSld>
+    <p:spTree>
+      <p:nvGrpSpPr>
+        <p:cNvPr id="1" name=""/>
+        <p:cNvGrpSpPr/>
+        <p:nvPr/>
+      </p:nvGrpSpPr>
+      <p:grpSpPr/>
+      <p:sp>
+        <p:nvSpPr>
+          <p:cNvPr id="2" name="タイトル 1"/>
+          <p:cNvSpPr>
+            <a:spLocks noGrp="1"/>
+          </p:cNvSpPr>
+          <p:nvPr>
+            <p:ph type="title"/>
+          </p:nvPr>
+        </p:nvSpPr>
         <p:spPr/>
         <p:txBody>
           <a:bodyPr/>
@@ -3457,7 +3690,9 @@
         </p:nvSpPr>
         <p:spPr/>
         <p:txBody>
-          <a:bodyPr/>
+          <a:bodyPr>
+            <a:normAutofit lnSpcReduction="20000"/>
+          </a:bodyPr>
           <a:p>
             <a:pPr marL="0" indent="0">
               <a:buNone/>
@@ -3475,6 +3710,618 @@
               <a:t>を使用してビルドする。</a:t>
             </a:r>
             <a:endParaRPr lang="ja-JP" altLang="en-US"/>
+          </a:p>
+          <a:p>
+            <a:pPr marL="0" indent="0">
+              <a:buNone/>
+            </a:pPr>
+            <a:endParaRPr lang="ja-JP" altLang="en-US"/>
+          </a:p>
+          <a:p>
+            <a:pPr marL="0" indent="0">
+              <a:buNone/>
+            </a:pPr>
+            <a:r>
+              <a:rPr lang="en-US" altLang="ja-JP"/>
+              <a:t>Eclipse</a:t>
+            </a:r>
+            <a:r>
+              <a:rPr lang="ja-JP" altLang="en-US"/>
+              <a:t>は</a:t>
+            </a:r>
+            <a:r>
+              <a:rPr lang="en-US" altLang="ja-JP"/>
+              <a:t>makefile</a:t>
+            </a:r>
+            <a:r>
+              <a:rPr lang="ja-JP" altLang="en-US"/>
+              <a:t>を自動的に作成してくれる。</a:t>
+            </a:r>
+            <a:endParaRPr lang="ja-JP" altLang="en-US"/>
+          </a:p>
+          <a:p>
+            <a:pPr marL="0" indent="0">
+              <a:buNone/>
+            </a:pPr>
+            <a:r>
+              <a:rPr lang="en-US" altLang="ja-JP"/>
+              <a:t>(</a:t>
+            </a:r>
+            <a:r>
+              <a:rPr lang="ja-JP" altLang="en-US"/>
+              <a:t>自動的に作成するようにする設定がある</a:t>
+            </a:r>
+            <a:r>
+              <a:rPr lang="en-US" altLang="ja-JP"/>
+              <a:t>)</a:t>
+            </a:r>
+            <a:endParaRPr lang="en-US" altLang="ja-JP"/>
+          </a:p>
+          <a:p>
+            <a:pPr marL="0" indent="0">
+              <a:buNone/>
+            </a:pPr>
+            <a:endParaRPr lang="en-US" altLang="ja-JP"/>
+          </a:p>
+          <a:p>
+            <a:pPr marL="0" indent="0">
+              <a:buNone/>
+            </a:pPr>
+            <a:r>
+              <a:rPr lang="en-US" altLang="ja-JP"/>
+              <a:t>Internal builder</a:t>
+            </a:r>
+            <a:r>
+              <a:rPr lang="ja-JP" altLang="en-US"/>
+              <a:t>だと</a:t>
+            </a:r>
+            <a:r>
+              <a:rPr lang="en-US" altLang="ja-JP"/>
+              <a:t>makefile</a:t>
+            </a:r>
+            <a:r>
+              <a:rPr lang="ja-JP" altLang="en-US"/>
+              <a:t>は自動生成されない。</a:t>
+            </a:r>
+            <a:endParaRPr lang="ja-JP" altLang="en-US"/>
+          </a:p>
+          <a:p>
+            <a:pPr marL="0" indent="0">
+              <a:buNone/>
+            </a:pPr>
+            <a:r>
+              <a:rPr lang="en-US" altLang="ja-JP"/>
+              <a:t>External builder</a:t>
+            </a:r>
+            <a:r>
+              <a:rPr lang="ja-JP" altLang="en-US"/>
+              <a:t>だと</a:t>
+            </a:r>
+            <a:r>
+              <a:rPr lang="en-US" altLang="ja-JP"/>
+              <a:t>makefile</a:t>
+            </a:r>
+            <a:r>
+              <a:rPr lang="ja-JP" altLang="en-US"/>
+              <a:t>が作成されて</a:t>
+            </a:r>
+            <a:r>
+              <a:rPr lang="en-US" altLang="ja-JP"/>
+              <a:t>make</a:t>
+            </a:r>
+            <a:r>
+              <a:rPr lang="ja-JP" altLang="en-US"/>
+              <a:t>コマンドを使用してビルドするようになる。</a:t>
+            </a:r>
+            <a:endParaRPr lang="ja-JP" altLang="en-US"/>
+          </a:p>
+          <a:p>
+            <a:pPr marL="0" indent="0">
+              <a:buNone/>
+            </a:pPr>
+            <a:endParaRPr lang="ja-JP" altLang="en-US"/>
+          </a:p>
+          <a:p>
+            <a:pPr marL="0" indent="0">
+              <a:buNone/>
+            </a:pPr>
+            <a:r>
+              <a:rPr lang="ja-JP" altLang="en-US"/>
+              <a:t>マネージドビルド：</a:t>
+            </a:r>
+            <a:r>
+              <a:rPr lang="en-US" altLang="ja-JP"/>
+              <a:t>Eclipse</a:t>
+            </a:r>
+            <a:r>
+              <a:rPr lang="ja-JP" altLang="en-US"/>
+              <a:t>が</a:t>
+            </a:r>
+            <a:r>
+              <a:rPr lang="en-US" altLang="ja-JP"/>
+              <a:t>makefile</a:t>
+            </a:r>
+            <a:r>
+              <a:rPr lang="ja-JP" altLang="en-US"/>
+              <a:t>を作成する</a:t>
+            </a:r>
+            <a:endParaRPr lang="ja-JP" altLang="en-US"/>
+          </a:p>
+          <a:p>
+            <a:pPr marL="0" indent="0">
+              <a:buNone/>
+            </a:pPr>
+            <a:endParaRPr lang="ja-JP" altLang="en-US"/>
+          </a:p>
+        </p:txBody>
+      </p:sp>
+    </p:spTree>
+  </p:cSld>
+  <p:clrMapOvr>
+    <a:masterClrMapping/>
+  </p:clrMapOvr>
+</p:sld>
+</file>
+
+<file path=ppt/slides/slide7.xml><?xml version="1.0" encoding="utf-8"?>
+<p:sld xmlns:a="http://schemas.openxmlformats.org/drawingml/2006/main" xmlns:r="http://schemas.openxmlformats.org/officeDocument/2006/relationships" xmlns:p="http://schemas.openxmlformats.org/presentationml/2006/main">
+  <p:cSld>
+    <p:spTree>
+      <p:nvGrpSpPr>
+        <p:cNvPr id="1" name=""/>
+        <p:cNvGrpSpPr/>
+        <p:nvPr/>
+      </p:nvGrpSpPr>
+      <p:grpSpPr/>
+      <p:sp>
+        <p:nvSpPr>
+          <p:cNvPr id="2" name="タイトル 1"/>
+          <p:cNvSpPr>
+            <a:spLocks noGrp="1"/>
+          </p:cNvSpPr>
+          <p:nvPr>
+            <p:ph type="title"/>
+          </p:nvPr>
+        </p:nvSpPr>
+        <p:spPr/>
+        <p:txBody>
+          <a:bodyPr>
+            <a:normAutofit/>
+          </a:bodyPr>
+          <a:p>
+            <a:r>
+              <a:rPr lang="en-US">
+                <a:sym typeface="+mn-ea"/>
+              </a:rPr>
+              <a:t>compiler on Eclipse CDT</a:t>
+            </a:r>
+            <a:endParaRPr lang="ja-JP" altLang="en-US">
+              <a:sym typeface="+mn-ea"/>
+            </a:endParaRPr>
+          </a:p>
+        </p:txBody>
+      </p:sp>
+      <p:sp>
+        <p:nvSpPr>
+          <p:cNvPr id="3" name="コンテンツプレースホルダ 2"/>
+          <p:cNvSpPr>
+            <a:spLocks noGrp="1"/>
+          </p:cNvSpPr>
+          <p:nvPr>
+            <p:ph idx="1"/>
+          </p:nvPr>
+        </p:nvSpPr>
+        <p:spPr/>
+        <p:txBody>
+          <a:bodyPr/>
+          <a:p>
+            <a:pPr marL="0" indent="0">
+              <a:buNone/>
+            </a:pPr>
+            <a:r>
+              <a:rPr lang="ja-JP" altLang="en-US"/>
+              <a:t>基本的に</a:t>
+            </a:r>
+            <a:r>
+              <a:rPr lang="en-US"/>
+              <a:t>gcc</a:t>
+            </a:r>
+            <a:r>
+              <a:rPr lang="ja-JP" altLang="en-US"/>
+              <a:t>を使用すればよい。</a:t>
+            </a:r>
+            <a:endParaRPr lang="ja-JP" altLang="en-US"/>
+          </a:p>
+          <a:p>
+            <a:pPr marL="0" indent="0">
+              <a:buNone/>
+            </a:pPr>
+            <a:endParaRPr lang="ja-JP" altLang="en-US"/>
+          </a:p>
+          <a:p>
+            <a:pPr marL="0" indent="0">
+              <a:buNone/>
+            </a:pPr>
+            <a:r>
+              <a:rPr lang="en-US" altLang="ja-JP"/>
+              <a:t>gcc</a:t>
+            </a:r>
+            <a:r>
+              <a:rPr lang="ja-JP" altLang="en-US"/>
+              <a:t>は</a:t>
+            </a:r>
+            <a:r>
+              <a:rPr lang="en-US" altLang="ja-JP"/>
+              <a:t>unix</a:t>
+            </a:r>
+            <a:r>
+              <a:rPr lang="ja-JP" altLang="en-US"/>
+              <a:t>環境で利用が標準であるため、</a:t>
+            </a:r>
+            <a:r>
+              <a:rPr lang="en-US" altLang="ja-JP"/>
+              <a:t>Windows</a:t>
+            </a:r>
+            <a:r>
+              <a:rPr lang="ja-JP" altLang="en-US"/>
+              <a:t>上で動かすには</a:t>
+            </a:r>
+            <a:endParaRPr lang="ja-JP" altLang="en-US"/>
+          </a:p>
+          <a:p>
+            <a:pPr marL="0" indent="0">
+              <a:buNone/>
+            </a:pPr>
+            <a:r>
+              <a:rPr lang="ja-JP" altLang="en-US"/>
+              <a:t>別途、</a:t>
+            </a:r>
+            <a:r>
+              <a:rPr lang="en-US" altLang="ja-JP"/>
+              <a:t>Cygwin</a:t>
+            </a:r>
+            <a:r>
+              <a:rPr lang="ja-JP" altLang="en-US"/>
+              <a:t>や</a:t>
+            </a:r>
+            <a:r>
+              <a:rPr lang="en-US" altLang="ja-JP"/>
+              <a:t>MinGW</a:t>
+            </a:r>
+            <a:r>
+              <a:rPr lang="ja-JP" altLang="en-US"/>
+              <a:t>といったラッピングソフトウェア的なものが必要らしい。</a:t>
+            </a:r>
+            <a:endParaRPr lang="ja-JP" altLang="en-US"/>
+          </a:p>
+        </p:txBody>
+      </p:sp>
+      <p:pic>
+        <p:nvPicPr>
+          <p:cNvPr id="4" name="図形 3"/>
+          <p:cNvPicPr>
+            <a:picLocks noChangeAspect="1"/>
+          </p:cNvPicPr>
+          <p:nvPr/>
+        </p:nvPicPr>
+        <p:blipFill>
+          <a:blip r:embed="rId1"/>
+          <a:stretch>
+            <a:fillRect/>
+          </a:stretch>
+        </p:blipFill>
+        <p:spPr>
+          <a:xfrm>
+            <a:off x="3467100" y="4894580"/>
+            <a:ext cx="1192530" cy="1192530"/>
+          </a:xfrm>
+          <a:prstGeom prst="rect">
+            <a:avLst/>
+          </a:prstGeom>
+        </p:spPr>
+      </p:pic>
+      <p:sp>
+        <p:nvSpPr>
+          <p:cNvPr id="5" name="角丸四角形 4"/>
+          <p:cNvSpPr/>
+          <p:nvPr/>
+        </p:nvSpPr>
+        <p:spPr>
+          <a:xfrm>
+            <a:off x="2552700" y="4418330"/>
+            <a:ext cx="7327265" cy="2145030"/>
+          </a:xfrm>
+          <a:prstGeom prst="roundRect">
+            <a:avLst/>
+          </a:prstGeom>
+          <a:noFill/>
+          <a:ln>
+            <a:solidFill>
+              <a:schemeClr val="accent1"/>
+            </a:solidFill>
+          </a:ln>
+          <a:extLst>
+            <a:ext uri="{909E8E84-426E-40DD-AFC4-6F175D3DCCD1}">
+              <a14:hiddenFill xmlns:a14="http://schemas.microsoft.com/office/drawing/2010/main">
+                <a:solidFill>
+                  <a:schemeClr val="accent1"/>
+                </a:solidFill>
+              </a14:hiddenFill>
+            </a:ext>
+          </a:extLst>
+        </p:spPr>
+        <p:style>
+          <a:lnRef idx="2">
+            <a:schemeClr val="accent1">
+              <a:shade val="50000"/>
+            </a:schemeClr>
+          </a:lnRef>
+          <a:fillRef idx="1">
+            <a:schemeClr val="accent1"/>
+          </a:fillRef>
+          <a:effectRef idx="0">
+            <a:schemeClr val="accent1"/>
+          </a:effectRef>
+          <a:fontRef idx="minor">
+            <a:schemeClr val="lt1"/>
+          </a:fontRef>
+        </p:style>
+        <p:txBody>
+          <a:bodyPr rtlCol="0" anchor="ctr"/>
+          <a:p>
+            <a:pPr algn="ctr"/>
+            <a:endParaRPr lang="ja-JP" altLang="en-US"/>
+          </a:p>
+        </p:txBody>
+      </p:sp>
+      <p:pic>
+        <p:nvPicPr>
+          <p:cNvPr id="6" name="図形 5"/>
+          <p:cNvPicPr>
+            <a:picLocks noChangeAspect="1"/>
+          </p:cNvPicPr>
+          <p:nvPr/>
+        </p:nvPicPr>
+        <p:blipFill>
+          <a:blip r:embed="rId2"/>
+          <a:stretch>
+            <a:fillRect/>
+          </a:stretch>
+        </p:blipFill>
+        <p:spPr>
+          <a:xfrm>
+            <a:off x="7597775" y="4843780"/>
+            <a:ext cx="711835" cy="839470"/>
+          </a:xfrm>
+          <a:prstGeom prst="rect">
+            <a:avLst/>
+          </a:prstGeom>
+        </p:spPr>
+      </p:pic>
+      <p:sp>
+        <p:nvSpPr>
+          <p:cNvPr id="7" name="楕円 6"/>
+          <p:cNvSpPr/>
+          <p:nvPr/>
+        </p:nvSpPr>
+        <p:spPr>
+          <a:xfrm>
+            <a:off x="6903720" y="4599305"/>
+            <a:ext cx="2099945" cy="1857375"/>
+          </a:xfrm>
+          <a:prstGeom prst="ellipse">
+            <a:avLst/>
+          </a:prstGeom>
+          <a:noFill/>
+          <a:ln>
+            <a:solidFill>
+              <a:schemeClr val="accent2">
+                <a:lumMod val="75000"/>
+              </a:schemeClr>
+            </a:solidFill>
+          </a:ln>
+          <a:extLst>
+            <a:ext uri="{909E8E84-426E-40DD-AFC4-6F175D3DCCD1}">
+              <a14:hiddenFill xmlns:a14="http://schemas.microsoft.com/office/drawing/2010/main">
+                <a:solidFill>
+                  <a:schemeClr val="accent1"/>
+                </a:solidFill>
+              </a14:hiddenFill>
+            </a:ext>
+          </a:extLst>
+        </p:spPr>
+        <p:style>
+          <a:lnRef idx="2">
+            <a:schemeClr val="accent1">
+              <a:shade val="50000"/>
+            </a:schemeClr>
+          </a:lnRef>
+          <a:fillRef idx="1">
+            <a:schemeClr val="accent1"/>
+          </a:fillRef>
+          <a:effectRef idx="0">
+            <a:schemeClr val="accent1"/>
+          </a:effectRef>
+          <a:fontRef idx="minor">
+            <a:schemeClr val="lt1"/>
+          </a:fontRef>
+        </p:style>
+        <p:txBody>
+          <a:bodyPr rtlCol="0" anchor="b" anchorCtr="0"/>
+          <a:p>
+            <a:pPr algn="ctr"/>
+            <a:r>
+              <a:rPr lang="ja-JP" altLang="en-US" sz="2400" b="1">
+                <a:solidFill>
+                  <a:srgbClr val="C00000"/>
+                </a:solidFill>
+              </a:rPr>
+              <a:t>ラッパー</a:t>
+            </a:r>
+            <a:endParaRPr lang="ja-JP" altLang="en-US" sz="2400" b="1">
+              <a:solidFill>
+                <a:srgbClr val="C00000"/>
+              </a:solidFill>
+            </a:endParaRPr>
+          </a:p>
+        </p:txBody>
+      </p:sp>
+      <p:sp>
+        <p:nvSpPr>
+          <p:cNvPr id="8" name="左右矢印 7"/>
+          <p:cNvSpPr/>
+          <p:nvPr/>
+        </p:nvSpPr>
+        <p:spPr>
+          <a:xfrm>
+            <a:off x="6329680" y="5263515"/>
+            <a:ext cx="967105" cy="528955"/>
+          </a:xfrm>
+          <a:prstGeom prst="leftRightArrow">
+            <a:avLst/>
+          </a:prstGeom>
+        </p:spPr>
+        <p:style>
+          <a:lnRef idx="2">
+            <a:schemeClr val="accent1">
+              <a:shade val="50000"/>
+            </a:schemeClr>
+          </a:lnRef>
+          <a:fillRef idx="1">
+            <a:schemeClr val="accent1"/>
+          </a:fillRef>
+          <a:effectRef idx="0">
+            <a:schemeClr val="accent1"/>
+          </a:effectRef>
+          <a:fontRef idx="minor">
+            <a:schemeClr val="lt1"/>
+          </a:fontRef>
+        </p:style>
+        <p:txBody>
+          <a:bodyPr rtlCol="0" anchor="ctr"/>
+          <a:p>
+            <a:pPr algn="ctr"/>
+            <a:endParaRPr lang="ja-JP" altLang="en-US"/>
+          </a:p>
+        </p:txBody>
+      </p:sp>
+    </p:spTree>
+  </p:cSld>
+  <p:clrMapOvr>
+    <a:masterClrMapping/>
+  </p:clrMapOvr>
+</p:sld>
+</file>
+
+<file path=ppt/slides/slide8.xml><?xml version="1.0" encoding="utf-8"?>
+<p:sld xmlns:a="http://schemas.openxmlformats.org/drawingml/2006/main" xmlns:r="http://schemas.openxmlformats.org/officeDocument/2006/relationships" xmlns:p="http://schemas.openxmlformats.org/presentationml/2006/main">
+  <p:cSld>
+    <p:spTree>
+      <p:nvGrpSpPr>
+        <p:cNvPr id="1" name=""/>
+        <p:cNvGrpSpPr/>
+        <p:nvPr/>
+      </p:nvGrpSpPr>
+      <p:grpSpPr/>
+      <p:sp>
+        <p:nvSpPr>
+          <p:cNvPr id="2" name="タイトル 1"/>
+          <p:cNvSpPr>
+            <a:spLocks noGrp="1"/>
+          </p:cNvSpPr>
+          <p:nvPr>
+            <p:ph type="title"/>
+          </p:nvPr>
+        </p:nvSpPr>
+        <p:spPr/>
+        <p:txBody>
+          <a:bodyPr/>
+          <a:p>
+            <a:r>
+              <a:rPr lang="en-US" altLang="ja-JP"/>
+              <a:t>MinGW setting on Eclipse CDT</a:t>
+            </a:r>
+            <a:endParaRPr lang="en-US" altLang="ja-JP"/>
+          </a:p>
+        </p:txBody>
+      </p:sp>
+      <p:sp>
+        <p:nvSpPr>
+          <p:cNvPr id="3" name="コンテンツプレースホルダ 2"/>
+          <p:cNvSpPr>
+            <a:spLocks noGrp="1"/>
+          </p:cNvSpPr>
+          <p:nvPr>
+            <p:ph idx="1"/>
+          </p:nvPr>
+        </p:nvSpPr>
+        <p:spPr/>
+        <p:txBody>
+          <a:bodyPr/>
+          <a:p>
+            <a:r>
+              <a:rPr lang="en-US" altLang="ja-JP"/>
+              <a:t>Eclipse</a:t>
+            </a:r>
+            <a:r>
+              <a:rPr lang="ja-JP" altLang="en-US"/>
+              <a:t>は</a:t>
+            </a:r>
+            <a:r>
+              <a:rPr lang="en-US" altLang="ja-JP"/>
+              <a:t>”MINGW_HOME”</a:t>
+            </a:r>
+            <a:r>
+              <a:rPr lang="ja-JP" altLang="en-US"/>
+              <a:t>というシステム環境変数を参照して</a:t>
+            </a:r>
+            <a:r>
+              <a:rPr lang="en-US" altLang="ja-JP"/>
+              <a:t>MinGW</a:t>
+            </a:r>
+            <a:r>
+              <a:rPr lang="ja-JP" altLang="en-US"/>
+              <a:t>の実行ファイルを探すように設定されているため</a:t>
+            </a:r>
+            <a:r>
+              <a:rPr lang="en-US" altLang="ja-JP"/>
+              <a:t>(</a:t>
+            </a:r>
+            <a:r>
+              <a:rPr lang="ja-JP" altLang="en-US"/>
+              <a:t>プロジェクトの環境設定を参照</a:t>
+            </a:r>
+            <a:r>
+              <a:rPr lang="en-US" altLang="ja-JP"/>
+              <a:t>)</a:t>
+            </a:r>
+            <a:r>
+              <a:rPr lang="ja-JP" altLang="en-US"/>
+              <a:t>、</a:t>
+            </a:r>
+            <a:r>
+              <a:rPr lang="en-US" altLang="ja-JP"/>
+              <a:t>Windows</a:t>
+            </a:r>
+            <a:r>
+              <a:rPr lang="ja-JP" altLang="en-US"/>
+              <a:t>のシステム環境変数に</a:t>
+            </a:r>
+            <a:r>
+              <a:rPr lang="en-US" altLang="ja-JP">
+                <a:sym typeface="+mn-ea"/>
+              </a:rPr>
+              <a:t>”MINGW_HOME”</a:t>
+            </a:r>
+            <a:r>
+              <a:rPr lang="ja-JP" altLang="en-US">
+                <a:sym typeface="+mn-ea"/>
+              </a:rPr>
+              <a:t>を追加する。</a:t>
+            </a:r>
+            <a:endParaRPr lang="ja-JP" altLang="en-US">
+              <a:sym typeface="+mn-ea"/>
+            </a:endParaRPr>
           </a:p>
         </p:txBody>
       </p:sp>
